--- a/Aionis-Partners_vF.pptx
+++ b/Aionis-Partners_vF.pptx
@@ -6,7 +6,7 @@
     <p:sldMasterId id="2147483649" r:id="rId2"/>
   </p:sldMasterIdLst>
   <p:notesMasterIdLst>
-    <p:notesMasterId r:id="rId12"/>
+    <p:notesMasterId r:id="rId13"/>
   </p:notesMasterIdLst>
   <p:sldIdLst>
     <p:sldId id="267" r:id="rId3"/>
@@ -17,33 +17,34 @@
     <p:sldId id="261" r:id="rId8"/>
     <p:sldId id="266" r:id="rId9"/>
     <p:sldId id="265" r:id="rId10"/>
-    <p:sldId id="264" r:id="rId11"/>
+    <p:sldId id="269" r:id="rId11"/>
+    <p:sldId id="264" r:id="rId12"/>
   </p:sldIdLst>
   <p:sldSz cx="14630400" cy="8229600"/>
   <p:notesSz cx="8229600" cy="14630400"/>
   <p:embeddedFontLst>
     <p:embeddedFont>
       <p:font typeface="Franklin Gothic Medium" panose="020B0603020102020204" pitchFamily="34" charset="0"/>
-      <p:regular r:id="rId13"/>
-      <p:italic r:id="rId14"/>
+      <p:regular r:id="rId14"/>
+      <p:italic r:id="rId15"/>
     </p:embeddedFont>
     <p:embeddedFont>
       <p:font typeface="Raleway" pitchFamily="2" charset="0"/>
-      <p:regular r:id="rId15"/>
-      <p:bold r:id="rId16"/>
-      <p:italic r:id="rId17"/>
-      <p:boldItalic r:id="rId18"/>
+      <p:regular r:id="rId16"/>
+      <p:bold r:id="rId17"/>
+      <p:italic r:id="rId18"/>
+      <p:boldItalic r:id="rId19"/>
     </p:embeddedFont>
     <p:embeddedFont>
       <p:font typeface="Roboto" panose="02000000000000000000" pitchFamily="2" charset="0"/>
-      <p:regular r:id="rId19"/>
-      <p:bold r:id="rId20"/>
-      <p:italic r:id="rId21"/>
-      <p:boldItalic r:id="rId22"/>
+      <p:regular r:id="rId20"/>
+      <p:bold r:id="rId21"/>
+      <p:italic r:id="rId22"/>
+      <p:boldItalic r:id="rId23"/>
     </p:embeddedFont>
   </p:embeddedFontLst>
   <p:custDataLst>
-    <p:tags r:id="rId23"/>
+    <p:tags r:id="rId24"/>
   </p:custDataLst>
   <p:defaultTextStyle>
     <a:defPPr>
@@ -4685,6 +4686,415 @@
 </p:sld>
 </file>
 
+<file path=ppt/slides/slide10.xml><?xml version="1.0" encoding="utf-8"?>
+<p:sld xmlns:a="http://schemas.openxmlformats.org/drawingml/2006/main" xmlns:r="http://schemas.openxmlformats.org/officeDocument/2006/relationships" xmlns:p="http://schemas.openxmlformats.org/presentationml/2006/main">
+  <p:cSld>
+    <p:bg>
+      <p:bgPr>
+        <a:solidFill>
+          <a:schemeClr val="bg2"/>
+        </a:solidFill>
+        <a:effectLst/>
+      </p:bgPr>
+    </p:bg>
+    <p:spTree>
+      <p:nvGrpSpPr>
+        <p:cNvPr id="1" name="">
+          <a:extLst>
+            <a:ext uri="{FF2B5EF4-FFF2-40B4-BE49-F238E27FC236}">
+              <a16:creationId xmlns:a16="http://schemas.microsoft.com/office/drawing/2014/main" id="{AACA17BB-E5C7-774C-1C76-67DC47FCC109}"/>
+            </a:ext>
+          </a:extLst>
+        </p:cNvPr>
+        <p:cNvGrpSpPr/>
+        <p:nvPr/>
+      </p:nvGrpSpPr>
+      <p:grpSpPr>
+        <a:xfrm>
+          <a:off x="0" y="0"/>
+          <a:ext cx="0" cy="0"/>
+          <a:chOff x="0" y="0"/>
+          <a:chExt cx="0" cy="0"/>
+        </a:xfrm>
+      </p:grpSpPr>
+      <p:sp>
+        <p:nvSpPr>
+          <p:cNvPr id="3" name="Rectangle: Rounded Corners 2">
+            <a:extLst>
+              <a:ext uri="{FF2B5EF4-FFF2-40B4-BE49-F238E27FC236}">
+                <a16:creationId xmlns:a16="http://schemas.microsoft.com/office/drawing/2014/main" id="{50B24501-E977-53C3-0A6E-F04E13AF4293}"/>
+              </a:ext>
+            </a:extLst>
+          </p:cNvPr>
+          <p:cNvSpPr/>
+          <p:nvPr/>
+        </p:nvSpPr>
+        <p:spPr>
+          <a:xfrm>
+            <a:off x="9193548" y="6758970"/>
+            <a:ext cx="427063" cy="435582"/>
+          </a:xfrm>
+          <a:prstGeom prst="roundRect">
+            <a:avLst/>
+          </a:prstGeom>
+          <a:solidFill>
+            <a:schemeClr val="tx1"/>
+          </a:solidFill>
+          <a:ln>
+            <a:solidFill>
+              <a:schemeClr val="tx1"/>
+            </a:solidFill>
+          </a:ln>
+        </p:spPr>
+        <p:style>
+          <a:lnRef idx="2">
+            <a:schemeClr val="accent1">
+              <a:shade val="15000"/>
+            </a:schemeClr>
+          </a:lnRef>
+          <a:fillRef idx="1">
+            <a:schemeClr val="accent1"/>
+          </a:fillRef>
+          <a:effectRef idx="0">
+            <a:schemeClr val="accent1"/>
+          </a:effectRef>
+          <a:fontRef idx="minor">
+            <a:schemeClr val="lt1"/>
+          </a:fontRef>
+        </p:style>
+        <p:txBody>
+          <a:bodyPr rtlCol="0" anchor="ctr"/>
+          <a:lstStyle/>
+          <a:p>
+            <a:pPr algn="ctr"/>
+            <a:endParaRPr lang="en-DE"/>
+          </a:p>
+        </p:txBody>
+      </p:sp>
+      <p:sp>
+        <p:nvSpPr>
+          <p:cNvPr id="2" name="Title 1">
+            <a:extLst>
+              <a:ext uri="{FF2B5EF4-FFF2-40B4-BE49-F238E27FC236}">
+                <a16:creationId xmlns:a16="http://schemas.microsoft.com/office/drawing/2014/main" id="{96F4C593-F06E-B157-DFF2-633CAAFD6F4E}"/>
+              </a:ext>
+            </a:extLst>
+          </p:cNvPr>
+          <p:cNvSpPr>
+            <a:spLocks noGrp="1"/>
+          </p:cNvSpPr>
+          <p:nvPr>
+            <p:ph type="ctrTitle"/>
+            <p:custDataLst>
+              <p:tags r:id="rId2"/>
+            </p:custDataLst>
+          </p:nvPr>
+        </p:nvSpPr>
+        <p:spPr>
+          <a:xfrm>
+            <a:off x="3117880" y="6517887"/>
+            <a:ext cx="10721340" cy="1051560"/>
+          </a:xfrm>
+        </p:spPr>
+        <p:txBody>
+          <a:bodyPr anchor="ctr">
+            <a:normAutofit/>
+          </a:bodyPr>
+          <a:lstStyle>
+            <a:defPPr>
+              <a:defRPr lang="en-US"/>
+            </a:defPPr>
+            <a:lvl1pPr marL="0" algn="l" defTabSz="1097280" rtl="0" eaLnBrk="1" latinLnBrk="0" hangingPunct="1">
+              <a:defRPr sz="2160" kern="1200">
+                <a:solidFill>
+                  <a:schemeClr val="tx1"/>
+                </a:solidFill>
+                <a:latin typeface="+mn-lt"/>
+                <a:ea typeface="+mn-ea"/>
+                <a:cs typeface="+mn-cs"/>
+              </a:defRPr>
+            </a:lvl1pPr>
+            <a:lvl2pPr marL="548640" algn="l" defTabSz="1097280" rtl="0" eaLnBrk="1" latinLnBrk="0" hangingPunct="1">
+              <a:defRPr sz="2160" kern="1200">
+                <a:solidFill>
+                  <a:schemeClr val="tx1"/>
+                </a:solidFill>
+                <a:latin typeface="+mn-lt"/>
+                <a:ea typeface="+mn-ea"/>
+                <a:cs typeface="+mn-cs"/>
+              </a:defRPr>
+            </a:lvl2pPr>
+            <a:lvl3pPr marL="1097280" algn="l" defTabSz="1097280" rtl="0" eaLnBrk="1" latinLnBrk="0" hangingPunct="1">
+              <a:defRPr sz="2160" kern="1200">
+                <a:solidFill>
+                  <a:schemeClr val="tx1"/>
+                </a:solidFill>
+                <a:latin typeface="+mn-lt"/>
+                <a:ea typeface="+mn-ea"/>
+                <a:cs typeface="+mn-cs"/>
+              </a:defRPr>
+            </a:lvl3pPr>
+            <a:lvl4pPr marL="1645920" algn="l" defTabSz="1097280" rtl="0" eaLnBrk="1" latinLnBrk="0" hangingPunct="1">
+              <a:defRPr sz="2160" kern="1200">
+                <a:solidFill>
+                  <a:schemeClr val="tx1"/>
+                </a:solidFill>
+                <a:latin typeface="+mn-lt"/>
+                <a:ea typeface="+mn-ea"/>
+                <a:cs typeface="+mn-cs"/>
+              </a:defRPr>
+            </a:lvl4pPr>
+            <a:lvl5pPr marL="2194560" algn="l" defTabSz="1097280" rtl="0" eaLnBrk="1" latinLnBrk="0" hangingPunct="1">
+              <a:defRPr sz="2160" kern="1200">
+                <a:solidFill>
+                  <a:schemeClr val="tx1"/>
+                </a:solidFill>
+                <a:latin typeface="+mn-lt"/>
+                <a:ea typeface="+mn-ea"/>
+                <a:cs typeface="+mn-cs"/>
+              </a:defRPr>
+            </a:lvl5pPr>
+            <a:lvl6pPr marL="2743200" algn="l" defTabSz="1097280" rtl="0" eaLnBrk="1" latinLnBrk="0" hangingPunct="1">
+              <a:defRPr sz="2160" kern="1200">
+                <a:solidFill>
+                  <a:schemeClr val="tx1"/>
+                </a:solidFill>
+                <a:latin typeface="+mn-lt"/>
+                <a:ea typeface="+mn-ea"/>
+                <a:cs typeface="+mn-cs"/>
+              </a:defRPr>
+            </a:lvl6pPr>
+            <a:lvl7pPr marL="3291840" algn="l" defTabSz="1097280" rtl="0" eaLnBrk="1" latinLnBrk="0" hangingPunct="1">
+              <a:defRPr sz="2160" kern="1200">
+                <a:solidFill>
+                  <a:schemeClr val="tx1"/>
+                </a:solidFill>
+                <a:latin typeface="+mn-lt"/>
+                <a:ea typeface="+mn-ea"/>
+                <a:cs typeface="+mn-cs"/>
+              </a:defRPr>
+            </a:lvl7pPr>
+            <a:lvl8pPr marL="3840480" algn="l" defTabSz="1097280" rtl="0" eaLnBrk="1" latinLnBrk="0" hangingPunct="1">
+              <a:defRPr sz="2160" kern="1200">
+                <a:solidFill>
+                  <a:schemeClr val="tx1"/>
+                </a:solidFill>
+                <a:latin typeface="+mn-lt"/>
+                <a:ea typeface="+mn-ea"/>
+                <a:cs typeface="+mn-cs"/>
+              </a:defRPr>
+            </a:lvl8pPr>
+            <a:lvl9pPr marL="4389120" algn="l" defTabSz="1097280" rtl="0" eaLnBrk="1" latinLnBrk="0" hangingPunct="1">
+              <a:defRPr sz="2160" kern="1200">
+                <a:solidFill>
+                  <a:schemeClr val="tx1"/>
+                </a:solidFill>
+                <a:latin typeface="+mn-lt"/>
+                <a:ea typeface="+mn-ea"/>
+                <a:cs typeface="+mn-cs"/>
+              </a:defRPr>
+            </a:lvl9pPr>
+          </a:lstStyle>
+          <a:p>
+            <a:pPr algn="r">
+              <a:lnSpc>
+                <a:spcPct val="80000"/>
+              </a:lnSpc>
+            </a:pPr>
+            <a:r>
+              <a:rPr lang="en-US" sz="4400" dirty="0">
+                <a:solidFill>
+                  <a:schemeClr val="bg1"/>
+                </a:solidFill>
+                <a:latin typeface="Raleway" pitchFamily="34" charset="0"/>
+                <a:ea typeface="Raleway" pitchFamily="34" charset="-122"/>
+                <a:cs typeface="Raleway" pitchFamily="34" charset="-120"/>
+              </a:rPr>
+              <a:t>∞</a:t>
+            </a:r>
+            <a:r>
+              <a:rPr lang="en-US" sz="4400" dirty="0">
+                <a:solidFill>
+                  <a:srgbClr val="1B1B27"/>
+                </a:solidFill>
+                <a:latin typeface="Raleway" pitchFamily="34" charset="0"/>
+                <a:ea typeface="Raleway" pitchFamily="34" charset="-122"/>
+                <a:cs typeface="Raleway" pitchFamily="34" charset="-120"/>
+              </a:rPr>
+              <a:t> Aionis Partners</a:t>
+            </a:r>
+            <a:endParaRPr lang="en-US" sz="4320" dirty="0">
+              <a:solidFill>
+                <a:schemeClr val="tx2"/>
+              </a:solidFill>
+            </a:endParaRPr>
+          </a:p>
+        </p:txBody>
+      </p:sp>
+      <p:sp>
+        <p:nvSpPr>
+          <p:cNvPr id="9" name="Rectangle 8">
+            <a:extLst>
+              <a:ext uri="{FF2B5EF4-FFF2-40B4-BE49-F238E27FC236}">
+                <a16:creationId xmlns:a16="http://schemas.microsoft.com/office/drawing/2014/main" id="{78A444DB-19D6-172A-F8E3-48D0363E87D2}"/>
+              </a:ext>
+            </a:extLst>
+          </p:cNvPr>
+          <p:cNvSpPr/>
+          <p:nvPr>
+            <p:custDataLst>
+              <p:tags r:id="rId3"/>
+            </p:custDataLst>
+          </p:nvPr>
+        </p:nvSpPr>
+        <p:spPr>
+          <a:xfrm>
+            <a:off x="731520" y="7680960"/>
+            <a:ext cx="2190938" cy="237700"/>
+          </a:xfrm>
+          <a:prstGeom prst="rect">
+            <a:avLst/>
+          </a:prstGeom>
+          <a:noFill/>
+          <a:ln>
+            <a:noFill/>
+          </a:ln>
+        </p:spPr>
+        <p:style>
+          <a:lnRef idx="2">
+            <a:schemeClr val="accent1">
+              <a:shade val="15000"/>
+            </a:schemeClr>
+          </a:lnRef>
+          <a:fillRef idx="1">
+            <a:schemeClr val="accent1"/>
+          </a:fillRef>
+          <a:effectRef idx="0">
+            <a:schemeClr val="accent1"/>
+          </a:effectRef>
+          <a:fontRef idx="minor">
+            <a:schemeClr val="lt1"/>
+          </a:fontRef>
+        </p:style>
+        <p:txBody>
+          <a:bodyPr rtlCol="0" anchor="ctr"/>
+          <a:lstStyle>
+            <a:defPPr>
+              <a:defRPr lang="en-US"/>
+            </a:defPPr>
+            <a:lvl1pPr marL="0" algn="l" defTabSz="1097280" rtl="0" eaLnBrk="1" latinLnBrk="0" hangingPunct="1">
+              <a:defRPr sz="2160" kern="1200">
+                <a:solidFill>
+                  <a:schemeClr val="tx1"/>
+                </a:solidFill>
+                <a:latin typeface="+mn-lt"/>
+                <a:ea typeface="+mn-ea"/>
+                <a:cs typeface="+mn-cs"/>
+              </a:defRPr>
+            </a:lvl1pPr>
+            <a:lvl2pPr marL="548640" algn="l" defTabSz="1097280" rtl="0" eaLnBrk="1" latinLnBrk="0" hangingPunct="1">
+              <a:defRPr sz="2160" kern="1200">
+                <a:solidFill>
+                  <a:schemeClr val="tx1"/>
+                </a:solidFill>
+                <a:latin typeface="+mn-lt"/>
+                <a:ea typeface="+mn-ea"/>
+                <a:cs typeface="+mn-cs"/>
+              </a:defRPr>
+            </a:lvl2pPr>
+            <a:lvl3pPr marL="1097280" algn="l" defTabSz="1097280" rtl="0" eaLnBrk="1" latinLnBrk="0" hangingPunct="1">
+              <a:defRPr sz="2160" kern="1200">
+                <a:solidFill>
+                  <a:schemeClr val="tx1"/>
+                </a:solidFill>
+                <a:latin typeface="+mn-lt"/>
+                <a:ea typeface="+mn-ea"/>
+                <a:cs typeface="+mn-cs"/>
+              </a:defRPr>
+            </a:lvl3pPr>
+            <a:lvl4pPr marL="1645920" algn="l" defTabSz="1097280" rtl="0" eaLnBrk="1" latinLnBrk="0" hangingPunct="1">
+              <a:defRPr sz="2160" kern="1200">
+                <a:solidFill>
+                  <a:schemeClr val="tx1"/>
+                </a:solidFill>
+                <a:latin typeface="+mn-lt"/>
+                <a:ea typeface="+mn-ea"/>
+                <a:cs typeface="+mn-cs"/>
+              </a:defRPr>
+            </a:lvl4pPr>
+            <a:lvl5pPr marL="2194560" algn="l" defTabSz="1097280" rtl="0" eaLnBrk="1" latinLnBrk="0" hangingPunct="1">
+              <a:defRPr sz="2160" kern="1200">
+                <a:solidFill>
+                  <a:schemeClr val="tx1"/>
+                </a:solidFill>
+                <a:latin typeface="+mn-lt"/>
+                <a:ea typeface="+mn-ea"/>
+                <a:cs typeface="+mn-cs"/>
+              </a:defRPr>
+            </a:lvl5pPr>
+            <a:lvl6pPr marL="2743200" algn="l" defTabSz="1097280" rtl="0" eaLnBrk="1" latinLnBrk="0" hangingPunct="1">
+              <a:defRPr sz="2160" kern="1200">
+                <a:solidFill>
+                  <a:schemeClr val="tx1"/>
+                </a:solidFill>
+                <a:latin typeface="+mn-lt"/>
+                <a:ea typeface="+mn-ea"/>
+                <a:cs typeface="+mn-cs"/>
+              </a:defRPr>
+            </a:lvl6pPr>
+            <a:lvl7pPr marL="3291840" algn="l" defTabSz="1097280" rtl="0" eaLnBrk="1" latinLnBrk="0" hangingPunct="1">
+              <a:defRPr sz="2160" kern="1200">
+                <a:solidFill>
+                  <a:schemeClr val="tx1"/>
+                </a:solidFill>
+                <a:latin typeface="+mn-lt"/>
+                <a:ea typeface="+mn-ea"/>
+                <a:cs typeface="+mn-cs"/>
+              </a:defRPr>
+            </a:lvl7pPr>
+            <a:lvl8pPr marL="3840480" algn="l" defTabSz="1097280" rtl="0" eaLnBrk="1" latinLnBrk="0" hangingPunct="1">
+              <a:defRPr sz="2160" kern="1200">
+                <a:solidFill>
+                  <a:schemeClr val="tx1"/>
+                </a:solidFill>
+                <a:latin typeface="+mn-lt"/>
+                <a:ea typeface="+mn-ea"/>
+                <a:cs typeface="+mn-cs"/>
+              </a:defRPr>
+            </a:lvl8pPr>
+            <a:lvl9pPr marL="4389120" algn="l" defTabSz="1097280" rtl="0" eaLnBrk="1" latinLnBrk="0" hangingPunct="1">
+              <a:defRPr sz="2160" kern="1200">
+                <a:solidFill>
+                  <a:schemeClr val="tx1"/>
+                </a:solidFill>
+                <a:latin typeface="+mn-lt"/>
+                <a:ea typeface="+mn-ea"/>
+                <a:cs typeface="+mn-cs"/>
+              </a:defRPr>
+            </a:lvl9pPr>
+          </a:lstStyle>
+          <a:p>
+            <a:pPr algn="ctr"/>
+            <a:endParaRPr lang="en-US" sz="2592" noProof="1"/>
+          </a:p>
+        </p:txBody>
+      </p:sp>
+    </p:spTree>
+    <p:custDataLst>
+      <p:tags r:id="rId1"/>
+    </p:custDataLst>
+    <p:extLst>
+      <p:ext uri="{BB962C8B-B14F-4D97-AF65-F5344CB8AC3E}">
+        <p14:creationId xmlns:p14="http://schemas.microsoft.com/office/powerpoint/2010/main" val="3211061874"/>
+      </p:ext>
+    </p:extLst>
+  </p:cSld>
+  <p:clrMapOvr>
+    <a:masterClrMapping/>
+  </p:clrMapOvr>
+</p:sld>
+</file>
+
 <file path=ppt/slides/slide2.xml><?xml version="1.0" encoding="utf-8"?>
 <p:sld xmlns:a="http://schemas.openxmlformats.org/drawingml/2006/main" xmlns:r="http://schemas.openxmlformats.org/officeDocument/2006/relationships" xmlns:p="http://schemas.openxmlformats.org/presentationml/2006/main">
   <p:cSld name="Slide 2">
@@ -13079,23 +13489,9 @@
 <file path=ppt/slides/slide9.xml><?xml version="1.0" encoding="utf-8"?>
 <p:sld xmlns:a="http://schemas.openxmlformats.org/drawingml/2006/main" xmlns:r="http://schemas.openxmlformats.org/officeDocument/2006/relationships" xmlns:p="http://schemas.openxmlformats.org/presentationml/2006/main">
   <p:cSld>
-    <p:bg>
-      <p:bgPr>
-        <a:solidFill>
-          <a:schemeClr val="bg2"/>
-        </a:solidFill>
-        <a:effectLst/>
-      </p:bgPr>
-    </p:bg>
     <p:spTree>
       <p:nvGrpSpPr>
-        <p:cNvPr id="1" name="">
-          <a:extLst>
-            <a:ext uri="{FF2B5EF4-FFF2-40B4-BE49-F238E27FC236}">
-              <a16:creationId xmlns:a16="http://schemas.microsoft.com/office/drawing/2014/main" id="{AACA17BB-E5C7-774C-1C76-67DC47FCC109}"/>
-            </a:ext>
-          </a:extLst>
-        </p:cNvPr>
+        <p:cNvPr id="1" name=""/>
         <p:cNvGrpSpPr/>
         <p:nvPr/>
       </p:nvGrpSpPr>
@@ -13109,373 +13505,150 @@
       </p:grpSpPr>
       <p:sp>
         <p:nvSpPr>
-          <p:cNvPr id="3" name="Rectangle: Rounded Corners 2">
+          <p:cNvPr id="3" name="TextBox 2">
             <a:extLst>
               <a:ext uri="{FF2B5EF4-FFF2-40B4-BE49-F238E27FC236}">
-                <a16:creationId xmlns:a16="http://schemas.microsoft.com/office/drawing/2014/main" id="{50B24501-E977-53C3-0A6E-F04E13AF4293}"/>
+                <a16:creationId xmlns:a16="http://schemas.microsoft.com/office/drawing/2014/main" id="{29B42471-1EF8-869A-188F-2D69570040DF}"/>
               </a:ext>
             </a:extLst>
           </p:cNvPr>
-          <p:cNvSpPr/>
-          <p:nvPr/>
-        </p:nvSpPr>
-        <p:spPr>
-          <a:xfrm>
-            <a:off x="9193548" y="6758970"/>
-            <a:ext cx="427063" cy="435582"/>
-          </a:xfrm>
-          <a:prstGeom prst="roundRect">
-            <a:avLst/>
-          </a:prstGeom>
-          <a:solidFill>
-            <a:schemeClr val="tx1"/>
-          </a:solidFill>
-          <a:ln>
-            <a:solidFill>
-              <a:schemeClr val="tx1"/>
-            </a:solidFill>
-          </a:ln>
-        </p:spPr>
-        <p:style>
-          <a:lnRef idx="2">
-            <a:schemeClr val="accent1">
-              <a:shade val="15000"/>
-            </a:schemeClr>
-          </a:lnRef>
-          <a:fillRef idx="1">
-            <a:schemeClr val="accent1"/>
-          </a:fillRef>
-          <a:effectRef idx="0">
-            <a:schemeClr val="accent1"/>
-          </a:effectRef>
-          <a:fontRef idx="minor">
-            <a:schemeClr val="lt1"/>
-          </a:fontRef>
-        </p:style>
-        <p:txBody>
-          <a:bodyPr rtlCol="0" anchor="ctr"/>
-          <a:lstStyle/>
-          <a:p>
-            <a:pPr algn="ctr"/>
-            <a:endParaRPr lang="en-DE"/>
-          </a:p>
-        </p:txBody>
-      </p:sp>
-      <p:sp>
-        <p:nvSpPr>
-          <p:cNvPr id="2" name="Title 1">
-            <a:extLst>
-              <a:ext uri="{FF2B5EF4-FFF2-40B4-BE49-F238E27FC236}">
-                <a16:creationId xmlns:a16="http://schemas.microsoft.com/office/drawing/2014/main" id="{96F4C593-F06E-B157-DFF2-633CAAFD6F4E}"/>
-              </a:ext>
-            </a:extLst>
-          </p:cNvPr>
-          <p:cNvSpPr>
-            <a:spLocks noGrp="1"/>
-          </p:cNvSpPr>
-          <p:nvPr>
-            <p:ph type="ctrTitle"/>
-            <p:custDataLst>
-              <p:tags r:id="rId2"/>
-            </p:custDataLst>
-          </p:nvPr>
-        </p:nvSpPr>
-        <p:spPr>
-          <a:xfrm>
-            <a:off x="3117880" y="6517887"/>
-            <a:ext cx="10721340" cy="1051560"/>
-          </a:xfrm>
-        </p:spPr>
-        <p:txBody>
-          <a:bodyPr anchor="ctr">
-            <a:normAutofit/>
+          <p:cNvSpPr txBox="1"/>
+          <p:nvPr/>
+        </p:nvSpPr>
+        <p:spPr>
+          <a:xfrm>
+            <a:off x="646772" y="1732421"/>
+            <a:ext cx="13136136" cy="4278094"/>
+          </a:xfrm>
+          <a:prstGeom prst="rect">
+            <a:avLst/>
+          </a:prstGeom>
+          <a:noFill/>
+        </p:spPr>
+        <p:txBody>
+          <a:bodyPr wrap="square">
+            <a:spAutoFit/>
           </a:bodyPr>
-          <a:lstStyle>
-            <a:defPPr>
-              <a:defRPr lang="en-US"/>
-            </a:defPPr>
-            <a:lvl1pPr marL="0" algn="l" defTabSz="1097280" rtl="0" eaLnBrk="1" latinLnBrk="0" hangingPunct="1">
-              <a:defRPr sz="2160" kern="1200">
-                <a:solidFill>
-                  <a:schemeClr val="tx1"/>
-                </a:solidFill>
-                <a:latin typeface="+mn-lt"/>
-                <a:ea typeface="+mn-ea"/>
-                <a:cs typeface="+mn-cs"/>
-              </a:defRPr>
-            </a:lvl1pPr>
-            <a:lvl2pPr marL="548640" algn="l" defTabSz="1097280" rtl="0" eaLnBrk="1" latinLnBrk="0" hangingPunct="1">
-              <a:defRPr sz="2160" kern="1200">
-                <a:solidFill>
-                  <a:schemeClr val="tx1"/>
-                </a:solidFill>
-                <a:latin typeface="+mn-lt"/>
-                <a:ea typeface="+mn-ea"/>
-                <a:cs typeface="+mn-cs"/>
-              </a:defRPr>
-            </a:lvl2pPr>
-            <a:lvl3pPr marL="1097280" algn="l" defTabSz="1097280" rtl="0" eaLnBrk="1" latinLnBrk="0" hangingPunct="1">
-              <a:defRPr sz="2160" kern="1200">
-                <a:solidFill>
-                  <a:schemeClr val="tx1"/>
-                </a:solidFill>
-                <a:latin typeface="+mn-lt"/>
-                <a:ea typeface="+mn-ea"/>
-                <a:cs typeface="+mn-cs"/>
-              </a:defRPr>
-            </a:lvl3pPr>
-            <a:lvl4pPr marL="1645920" algn="l" defTabSz="1097280" rtl="0" eaLnBrk="1" latinLnBrk="0" hangingPunct="1">
-              <a:defRPr sz="2160" kern="1200">
-                <a:solidFill>
-                  <a:schemeClr val="tx1"/>
-                </a:solidFill>
-                <a:latin typeface="+mn-lt"/>
-                <a:ea typeface="+mn-ea"/>
-                <a:cs typeface="+mn-cs"/>
-              </a:defRPr>
-            </a:lvl4pPr>
-            <a:lvl5pPr marL="2194560" algn="l" defTabSz="1097280" rtl="0" eaLnBrk="1" latinLnBrk="0" hangingPunct="1">
-              <a:defRPr sz="2160" kern="1200">
-                <a:solidFill>
-                  <a:schemeClr val="tx1"/>
-                </a:solidFill>
-                <a:latin typeface="+mn-lt"/>
-                <a:ea typeface="+mn-ea"/>
-                <a:cs typeface="+mn-cs"/>
-              </a:defRPr>
-            </a:lvl5pPr>
-            <a:lvl6pPr marL="2743200" algn="l" defTabSz="1097280" rtl="0" eaLnBrk="1" latinLnBrk="0" hangingPunct="1">
-              <a:defRPr sz="2160" kern="1200">
-                <a:solidFill>
-                  <a:schemeClr val="tx1"/>
-                </a:solidFill>
-                <a:latin typeface="+mn-lt"/>
-                <a:ea typeface="+mn-ea"/>
-                <a:cs typeface="+mn-cs"/>
-              </a:defRPr>
-            </a:lvl6pPr>
-            <a:lvl7pPr marL="3291840" algn="l" defTabSz="1097280" rtl="0" eaLnBrk="1" latinLnBrk="0" hangingPunct="1">
-              <a:defRPr sz="2160" kern="1200">
-                <a:solidFill>
-                  <a:schemeClr val="tx1"/>
-                </a:solidFill>
-                <a:latin typeface="+mn-lt"/>
-                <a:ea typeface="+mn-ea"/>
-                <a:cs typeface="+mn-cs"/>
-              </a:defRPr>
-            </a:lvl7pPr>
-            <a:lvl8pPr marL="3840480" algn="l" defTabSz="1097280" rtl="0" eaLnBrk="1" latinLnBrk="0" hangingPunct="1">
-              <a:defRPr sz="2160" kern="1200">
-                <a:solidFill>
-                  <a:schemeClr val="tx1"/>
-                </a:solidFill>
-                <a:latin typeface="+mn-lt"/>
-                <a:ea typeface="+mn-ea"/>
-                <a:cs typeface="+mn-cs"/>
-              </a:defRPr>
-            </a:lvl8pPr>
-            <a:lvl9pPr marL="4389120" algn="l" defTabSz="1097280" rtl="0" eaLnBrk="1" latinLnBrk="0" hangingPunct="1">
-              <a:defRPr sz="2160" kern="1200">
-                <a:solidFill>
-                  <a:schemeClr val="tx1"/>
-                </a:solidFill>
-                <a:latin typeface="+mn-lt"/>
-                <a:ea typeface="+mn-ea"/>
-                <a:cs typeface="+mn-cs"/>
-              </a:defRPr>
-            </a:lvl9pPr>
-          </a:lstStyle>
-          <a:p>
-            <a:pPr algn="r">
-              <a:lnSpc>
-                <a:spcPct val="80000"/>
-              </a:lnSpc>
+          <a:lstStyle/>
+          <a:p>
+            <a:pPr algn="l">
+              <a:buNone/>
             </a:pPr>
             <a:r>
-              <a:rPr lang="en-US" sz="4400" dirty="0">
-                <a:solidFill>
-                  <a:schemeClr val="bg1"/>
-                </a:solidFill>
-                <a:latin typeface="Raleway" pitchFamily="34" charset="0"/>
-                <a:ea typeface="Raleway" pitchFamily="34" charset="-122"/>
-                <a:cs typeface="Raleway" pitchFamily="34" charset="-120"/>
-              </a:rPr>
-              <a:t>∞</a:t>
-            </a:r>
-            <a:r>
-              <a:rPr lang="en-US" sz="4400" dirty="0">
-                <a:solidFill>
-                  <a:srgbClr val="1B1B27"/>
-                </a:solidFill>
-                <a:latin typeface="Raleway" pitchFamily="34" charset="0"/>
-                <a:ea typeface="Raleway" pitchFamily="34" charset="-122"/>
-                <a:cs typeface="Raleway" pitchFamily="34" charset="-120"/>
-              </a:rPr>
-              <a:t> Aionis Partners</a:t>
-            </a:r>
-            <a:endParaRPr lang="en-US" sz="4320" dirty="0">
-              <a:solidFill>
-                <a:schemeClr val="tx2"/>
-              </a:solidFill>
-            </a:endParaRPr>
-          </a:p>
-        </p:txBody>
-      </p:sp>
-      <p:sp>
-        <p:nvSpPr>
-          <p:cNvPr id="9" name="Rectangle 8">
-            <a:extLst>
-              <a:ext uri="{FF2B5EF4-FFF2-40B4-BE49-F238E27FC236}">
-                <a16:creationId xmlns:a16="http://schemas.microsoft.com/office/drawing/2014/main" id="{78A444DB-19D6-172A-F8E3-48D0363E87D2}"/>
-              </a:ext>
-            </a:extLst>
-          </p:cNvPr>
-          <p:cNvSpPr/>
-          <p:nvPr>
-            <p:custDataLst>
-              <p:tags r:id="rId3"/>
-            </p:custDataLst>
-          </p:nvPr>
-        </p:nvSpPr>
-        <p:spPr>
-          <a:xfrm>
-            <a:off x="731520" y="7680960"/>
-            <a:ext cx="2190938" cy="237700"/>
-          </a:xfrm>
-          <a:prstGeom prst="rect">
-            <a:avLst/>
-          </a:prstGeom>
-          <a:noFill/>
-          <a:ln>
-            <a:noFill/>
-          </a:ln>
-        </p:spPr>
-        <p:style>
-          <a:lnRef idx="2">
-            <a:schemeClr val="accent1">
-              <a:shade val="15000"/>
-            </a:schemeClr>
-          </a:lnRef>
-          <a:fillRef idx="1">
-            <a:schemeClr val="accent1"/>
-          </a:fillRef>
-          <a:effectRef idx="0">
-            <a:schemeClr val="accent1"/>
-          </a:effectRef>
-          <a:fontRef idx="minor">
-            <a:schemeClr val="lt1"/>
-          </a:fontRef>
-        </p:style>
-        <p:txBody>
-          <a:bodyPr rtlCol="0" anchor="ctr"/>
-          <a:lstStyle>
-            <a:defPPr>
-              <a:defRPr lang="en-US"/>
-            </a:defPPr>
-            <a:lvl1pPr marL="0" algn="l" defTabSz="1097280" rtl="0" eaLnBrk="1" latinLnBrk="0" hangingPunct="1">
-              <a:defRPr sz="2160" kern="1200">
-                <a:solidFill>
-                  <a:schemeClr val="tx1"/>
-                </a:solidFill>
-                <a:latin typeface="+mn-lt"/>
-                <a:ea typeface="+mn-ea"/>
-                <a:cs typeface="+mn-cs"/>
-              </a:defRPr>
-            </a:lvl1pPr>
-            <a:lvl2pPr marL="548640" algn="l" defTabSz="1097280" rtl="0" eaLnBrk="1" latinLnBrk="0" hangingPunct="1">
-              <a:defRPr sz="2160" kern="1200">
-                <a:solidFill>
-                  <a:schemeClr val="tx1"/>
-                </a:solidFill>
-                <a:latin typeface="+mn-lt"/>
-                <a:ea typeface="+mn-ea"/>
-                <a:cs typeface="+mn-cs"/>
-              </a:defRPr>
-            </a:lvl2pPr>
-            <a:lvl3pPr marL="1097280" algn="l" defTabSz="1097280" rtl="0" eaLnBrk="1" latinLnBrk="0" hangingPunct="1">
-              <a:defRPr sz="2160" kern="1200">
-                <a:solidFill>
-                  <a:schemeClr val="tx1"/>
-                </a:solidFill>
-                <a:latin typeface="+mn-lt"/>
-                <a:ea typeface="+mn-ea"/>
-                <a:cs typeface="+mn-cs"/>
-              </a:defRPr>
-            </a:lvl3pPr>
-            <a:lvl4pPr marL="1645920" algn="l" defTabSz="1097280" rtl="0" eaLnBrk="1" latinLnBrk="0" hangingPunct="1">
-              <a:defRPr sz="2160" kern="1200">
-                <a:solidFill>
-                  <a:schemeClr val="tx1"/>
-                </a:solidFill>
-                <a:latin typeface="+mn-lt"/>
-                <a:ea typeface="+mn-ea"/>
-                <a:cs typeface="+mn-cs"/>
-              </a:defRPr>
-            </a:lvl4pPr>
-            <a:lvl5pPr marL="2194560" algn="l" defTabSz="1097280" rtl="0" eaLnBrk="1" latinLnBrk="0" hangingPunct="1">
-              <a:defRPr sz="2160" kern="1200">
-                <a:solidFill>
-                  <a:schemeClr val="tx1"/>
-                </a:solidFill>
-                <a:latin typeface="+mn-lt"/>
-                <a:ea typeface="+mn-ea"/>
-                <a:cs typeface="+mn-cs"/>
-              </a:defRPr>
-            </a:lvl5pPr>
-            <a:lvl6pPr marL="2743200" algn="l" defTabSz="1097280" rtl="0" eaLnBrk="1" latinLnBrk="0" hangingPunct="1">
-              <a:defRPr sz="2160" kern="1200">
-                <a:solidFill>
-                  <a:schemeClr val="tx1"/>
-                </a:solidFill>
-                <a:latin typeface="+mn-lt"/>
-                <a:ea typeface="+mn-ea"/>
-                <a:cs typeface="+mn-cs"/>
-              </a:defRPr>
-            </a:lvl6pPr>
-            <a:lvl7pPr marL="3291840" algn="l" defTabSz="1097280" rtl="0" eaLnBrk="1" latinLnBrk="0" hangingPunct="1">
-              <a:defRPr sz="2160" kern="1200">
-                <a:solidFill>
-                  <a:schemeClr val="tx1"/>
-                </a:solidFill>
-                <a:latin typeface="+mn-lt"/>
-                <a:ea typeface="+mn-ea"/>
-                <a:cs typeface="+mn-cs"/>
-              </a:defRPr>
-            </a:lvl7pPr>
-            <a:lvl8pPr marL="3840480" algn="l" defTabSz="1097280" rtl="0" eaLnBrk="1" latinLnBrk="0" hangingPunct="1">
-              <a:defRPr sz="2160" kern="1200">
-                <a:solidFill>
-                  <a:schemeClr val="tx1"/>
-                </a:solidFill>
-                <a:latin typeface="+mn-lt"/>
-                <a:ea typeface="+mn-ea"/>
-                <a:cs typeface="+mn-cs"/>
-              </a:defRPr>
-            </a:lvl8pPr>
-            <a:lvl9pPr marL="4389120" algn="l" defTabSz="1097280" rtl="0" eaLnBrk="1" latinLnBrk="0" hangingPunct="1">
-              <a:defRPr sz="2160" kern="1200">
-                <a:solidFill>
-                  <a:schemeClr val="tx1"/>
-                </a:solidFill>
-                <a:latin typeface="+mn-lt"/>
-                <a:ea typeface="+mn-ea"/>
-                <a:cs typeface="+mn-cs"/>
-              </a:defRPr>
-            </a:lvl9pPr>
-          </a:lstStyle>
-          <a:p>
-            <a:pPr algn="ctr"/>
-            <a:endParaRPr lang="en-US" sz="2592" noProof="1"/>
+              <a:rPr lang="en-US" sz="1600" b="1" i="0" dirty="0">
+                <a:effectLst/>
+                <a:latin typeface="Raleway" pitchFamily="2" charset="0"/>
+              </a:rPr>
+              <a:t>Disclaimer</a:t>
+            </a:r>
+          </a:p>
+          <a:p>
+            <a:pPr algn="l">
+              <a:buNone/>
+            </a:pPr>
+            <a:endParaRPr lang="en-US" sz="1600" b="0" i="0" dirty="0">
+              <a:effectLst/>
+              <a:latin typeface="Raleway" pitchFamily="2" charset="0"/>
+            </a:endParaRPr>
+          </a:p>
+          <a:p>
+            <a:pPr algn="l">
+              <a:buNone/>
+            </a:pPr>
+            <a:r>
+              <a:rPr lang="en-US" sz="1600" b="0" i="0" dirty="0">
+                <a:effectLst/>
+                <a:latin typeface="Raleway" pitchFamily="2" charset="0"/>
+              </a:rPr>
+              <a:t>This presentation (the "Deck") is provided for informational purposes only and does not constitute an offer to sell, a solicitation of an offer to buy, or a recommendation for any securities or investment in </a:t>
+            </a:r>
+            <a:r>
+              <a:rPr lang="en-US" sz="1600" b="0" i="0" dirty="0" err="1">
+                <a:effectLst/>
+                <a:latin typeface="Raleway" pitchFamily="2" charset="0"/>
+              </a:rPr>
+              <a:t>Aionis</a:t>
+            </a:r>
+            <a:r>
+              <a:rPr lang="en-US" sz="1600" b="0" i="0" dirty="0">
+                <a:effectLst/>
+                <a:latin typeface="Raleway" pitchFamily="2" charset="0"/>
+              </a:rPr>
+              <a:t> Partners or any related fund. No part of this Deck should be construed as investment advice, a public offer, or marketing under the German Investment Code (KAGB) or any other applicable laws.</a:t>
+            </a:r>
+          </a:p>
+          <a:p>
+            <a:pPr algn="l">
+              <a:buNone/>
+            </a:pPr>
+            <a:r>
+              <a:rPr lang="en-US" sz="1600" b="0" i="0" dirty="0">
+                <a:effectLst/>
+                <a:latin typeface="Raleway" pitchFamily="2" charset="0"/>
+              </a:rPr>
+              <a:t>The information herein is confidential and intended solely for the recipient. It may not be reproduced, distributed, or shared with third parties without prior written consent. This Deck is not a prospectus, key investor information document, or any other regulatory filing, and has not been reviewed or approved by BaFin or any other authority.</a:t>
+            </a:r>
+          </a:p>
+          <a:p>
+            <a:pPr algn="l">
+              <a:buNone/>
+            </a:pPr>
+            <a:endParaRPr lang="en-US" sz="1600" b="0" i="0" dirty="0">
+              <a:effectLst/>
+              <a:latin typeface="Raleway" pitchFamily="2" charset="0"/>
+            </a:endParaRPr>
+          </a:p>
+          <a:p>
+            <a:pPr algn="l">
+              <a:buNone/>
+            </a:pPr>
+            <a:r>
+              <a:rPr lang="en-US" sz="1600" b="0" i="0" dirty="0">
+                <a:effectLst/>
+                <a:latin typeface="Raleway" pitchFamily="2" charset="0"/>
+              </a:rPr>
+              <a:t>Any potential investment in the fund would require compliance with all relevant regulations, including possible BaFin notification for marketing activities. Past performance is not indicative of future results, and investments involve risks, including the potential loss of principal. Recipients should conduct their own due diligence and consult independent legal, tax, and financial advisors before considering any investment.</a:t>
+            </a:r>
+          </a:p>
+          <a:p>
+            <a:pPr algn="l">
+              <a:buNone/>
+            </a:pPr>
+            <a:endParaRPr lang="en-US" sz="1600" b="0" i="0" dirty="0">
+              <a:effectLst/>
+              <a:latin typeface="Raleway" pitchFamily="2" charset="0"/>
+            </a:endParaRPr>
+          </a:p>
+          <a:p>
+            <a:pPr algn="l">
+              <a:buNone/>
+            </a:pPr>
+            <a:r>
+              <a:rPr lang="en-US" sz="1600" b="0" i="0" dirty="0">
+                <a:effectLst/>
+                <a:latin typeface="Raleway" pitchFamily="2" charset="0"/>
+              </a:rPr>
+              <a:t>This Deck is based on information available as of July 2025 and may change without notice. No representations or warranties are made regarding its accuracy or completeness. If you have received this Deck in error, please destroy it immediately and notify the sender.</a:t>
+            </a:r>
+          </a:p>
+          <a:p>
+            <a:pPr algn="l">
+              <a:buNone/>
+            </a:pPr>
+            <a:r>
+              <a:rPr lang="en-US" sz="1600" b="0" i="0" dirty="0">
+                <a:effectLst/>
+                <a:latin typeface="Raleway" pitchFamily="2" charset="0"/>
+              </a:rPr>
+              <a:t>By reviewing this Deck, you acknowledge that it is shared privately and not as part of any marketing or promotional effort.</a:t>
+            </a:r>
           </a:p>
         </p:txBody>
       </p:sp>
     </p:spTree>
-    <p:custDataLst>
-      <p:tags r:id="rId1"/>
-    </p:custDataLst>
     <p:extLst>
       <p:ext uri="{BB962C8B-B14F-4D97-AF65-F5344CB8AC3E}">
-        <p14:creationId xmlns:p14="http://schemas.microsoft.com/office/powerpoint/2010/main" val="3211061874"/>
+        <p14:creationId xmlns:p14="http://schemas.microsoft.com/office/powerpoint/2010/main" val="1006465524"/>
       </p:ext>
     </p:extLst>
   </p:cSld>
